--- a/adadelta+weight_noise.pptx
+++ b/adadelta+weight_noise.pptx
@@ -3166,7 +3166,7 @@
                   <a:schemeClr val="bg1"/>
                 </a:solidFill>
               </a:rPr>
-              <a:t>入职时间：</a:t>
+              <a:t>时间：</a:t>
             </a:r>
             <a:r>
               <a:rPr lang="en-US" altLang="zh-CN" sz="1800" dirty="0">
@@ -3174,7 +3174,7 @@
                   <a:schemeClr val="bg1"/>
                 </a:solidFill>
               </a:rPr>
-              <a:t>2020.02.28</a:t>
+              <a:t>2020.03.09</a:t>
             </a:r>
             <a:endParaRPr lang="zh-CN" altLang="en-US" sz="1800" dirty="0">
               <a:solidFill>
@@ -3690,19 +3690,7 @@
               <a:rPr lang="zh-CN" altLang="en-US">
                 <a:sym typeface="+mn-ea"/>
               </a:rPr>
-              <a:t>adadelta算法利用</a:t>
-            </a:r>
-            <a:r>
-              <a:rPr lang="zh-CN" altLang="en-US">
-                <a:sym typeface="+mn-ea"/>
-              </a:rPr>
-              <a:t>new_grads_miu，new_grads_sigma</a:t>
-            </a:r>
-            <a:r>
-              <a:rPr lang="zh-CN" altLang="en-US">
-                <a:sym typeface="+mn-ea"/>
-              </a:rPr>
-              <a:t>对tparam_p_u,tparam_p_ls2更新</a:t>
+              <a:t>adadelta算法利用new_grads_miu，new_grads_sigma对tparam_p_u,tparam_p_ls2更新</a:t>
             </a:r>
             <a:endParaRPr lang="zh-CN" altLang="en-US" dirty="0">
               <a:solidFill>
@@ -3940,13 +3928,7 @@
               <a:rPr lang="zh-CN" altLang="en-US">
                 <a:sym typeface="+mn-ea"/>
               </a:rPr>
-              <a:t>的更新权值tparam_p_ls2</a:t>
-            </a:r>
-            <a:r>
-              <a:rPr lang="zh-CN" altLang="en-US">
-                <a:sym typeface="+mn-ea"/>
-              </a:rPr>
-              <a:t>保存梯度对</a:t>
+              <a:t>的更新权值tparam_p_ls2保存梯度对</a:t>
             </a:r>
             <a:r>
               <a:rPr lang="en-US" altLang="zh-CN">
@@ -5116,7 +5098,7 @@
                 <a:latin typeface="微软雅黑 Light" panose="020B0502040204020203" pitchFamily="34" charset="-122"/>
                 <a:ea typeface="微软雅黑 Light" panose="020B0502040204020203" pitchFamily="34" charset="-122"/>
               </a:rPr>
-              <a:t>交叉熵，在给定模型参数</a:t>
+              <a:t>负对数概率，在给定模型参数</a:t>
             </a:r>
             <a:r>
               <a:rPr lang="en-US" altLang="zh-CN" sz="1400" dirty="0">
@@ -7500,19 +7482,7 @@
               <a:rPr lang="zh-CN" altLang="en-US">
                 <a:sym typeface="+mn-ea"/>
               </a:rPr>
-              <a:t>在该情况下，</a:t>
-            </a:r>
-            <a:r>
-              <a:rPr lang="en-US" altLang="zh-CN">
-                <a:sym typeface="+mn-ea"/>
-              </a:rPr>
-              <a:t>α=β</a:t>
-            </a:r>
-            <a:r>
-              <a:rPr lang="zh-CN" altLang="en-US">
-                <a:sym typeface="+mn-ea"/>
-              </a:rPr>
-              <a:t>，则</a:t>
+              <a:t>在该情况下，        ，则</a:t>
             </a:r>
             <a:endParaRPr lang="zh-CN" altLang="en-US">
               <a:sym typeface="+mn-ea"/>
@@ -7998,6 +7968,30 @@
           <a:xfrm>
             <a:off x="6624320" y="6257925"/>
             <a:ext cx="2314575" cy="476250"/>
+          </a:xfrm>
+          <a:prstGeom prst="rect">
+            <a:avLst/>
+          </a:prstGeom>
+        </p:spPr>
+      </p:pic>
+      <p:pic>
+        <p:nvPicPr>
+          <p:cNvPr id="3" name="图片 2"/>
+          <p:cNvPicPr>
+            <a:picLocks noChangeAspect="1"/>
+          </p:cNvPicPr>
+          <p:nvPr/>
+        </p:nvPicPr>
+        <p:blipFill>
+          <a:blip r:embed="rId12"/>
+          <a:stretch>
+            <a:fillRect/>
+          </a:stretch>
+        </p:blipFill>
+        <p:spPr>
+          <a:xfrm>
+            <a:off x="1489075" y="5010785"/>
+            <a:ext cx="714375" cy="257175"/>
           </a:xfrm>
           <a:prstGeom prst="rect">
             <a:avLst/>
@@ -8624,19 +8618,7 @@
               <a:rPr lang="zh-CN" altLang="en-US">
                 <a:sym typeface="+mn-ea"/>
               </a:rPr>
-              <a:t>在该情况下，</a:t>
-            </a:r>
-            <a:r>
-              <a:rPr lang="en-US" altLang="zh-CN">
-                <a:sym typeface="+mn-ea"/>
-              </a:rPr>
-              <a:t>α=β</a:t>
-            </a:r>
-            <a:r>
-              <a:rPr lang="zh-CN" altLang="en-US">
-                <a:sym typeface="+mn-ea"/>
-              </a:rPr>
-              <a:t>，则</a:t>
+              <a:t>在该情况下，         ，则</a:t>
             </a:r>
             <a:endParaRPr lang="zh-CN" altLang="en-US">
               <a:sym typeface="+mn-ea"/>
@@ -8751,7 +8733,7 @@
         </p:blipFill>
         <p:spPr>
           <a:xfrm>
-            <a:off x="2671445" y="4972685"/>
+            <a:off x="2740025" y="4972685"/>
             <a:ext cx="1381125" cy="333375"/>
           </a:xfrm>
           <a:prstGeom prst="rect">
@@ -9080,6 +9062,30 @@
           <a:xfrm>
             <a:off x="6638925" y="5837555"/>
             <a:ext cx="2657475" cy="447675"/>
+          </a:xfrm>
+          <a:prstGeom prst="rect">
+            <a:avLst/>
+          </a:prstGeom>
+        </p:spPr>
+      </p:pic>
+      <p:pic>
+        <p:nvPicPr>
+          <p:cNvPr id="3" name="图片 2"/>
+          <p:cNvPicPr>
+            <a:picLocks noChangeAspect="1"/>
+          </p:cNvPicPr>
+          <p:nvPr/>
+        </p:nvPicPr>
+        <p:blipFill>
+          <a:blip r:embed="rId12"/>
+          <a:stretch>
+            <a:fillRect/>
+          </a:stretch>
+        </p:blipFill>
+        <p:spPr>
+          <a:xfrm>
+            <a:off x="1489075" y="5010785"/>
+            <a:ext cx="714375" cy="257175"/>
           </a:xfrm>
           <a:prstGeom prst="rect">
             <a:avLst/>
@@ -10127,13 +10133,7 @@
               <a:rPr lang="zh-CN" altLang="en-US" sz="2000">
                 <a:sym typeface="+mn-ea"/>
               </a:rPr>
-              <a:t>也为</a:t>
-            </a:r>
-            <a:r>
-              <a:rPr lang="zh-CN" altLang="en-US" sz="2000">
-                <a:sym typeface="+mn-ea"/>
-              </a:rPr>
-              <a:t>Gaussian </a:t>
+              <a:t>也为Gaussian </a:t>
             </a:r>
             <a:r>
               <a:rPr lang="en-US" altLang="zh-CN" sz="2000">
